--- a/제안서/김나단/제안서_전투시뮬레이션_3.1ver.pptx
+++ b/제안서/김나단/제안서_전투시뮬레이션_3.1ver.pptx
@@ -5,19 +5,21 @@
     <p:sldMasterId id="2147483657" r:id="rId2"/>
   </p:sldMasterIdLst>
   <p:notesMasterIdLst>
-    <p:notesMasterId r:id="rId13"/>
+    <p:notesMasterId r:id="rId15"/>
   </p:notesMasterIdLst>
   <p:sldIdLst>
     <p:sldId id="256" r:id="rId3"/>
     <p:sldId id="261" r:id="rId4"/>
     <p:sldId id="265" r:id="rId5"/>
     <p:sldId id="273" r:id="rId6"/>
-    <p:sldId id="286" r:id="rId7"/>
-    <p:sldId id="284" r:id="rId8"/>
-    <p:sldId id="281" r:id="rId9"/>
-    <p:sldId id="285" r:id="rId10"/>
-    <p:sldId id="276" r:id="rId11"/>
-    <p:sldId id="280" r:id="rId12"/>
+    <p:sldId id="288" r:id="rId7"/>
+    <p:sldId id="286" r:id="rId8"/>
+    <p:sldId id="284" r:id="rId9"/>
+    <p:sldId id="287" r:id="rId10"/>
+    <p:sldId id="281" r:id="rId11"/>
+    <p:sldId id="285" r:id="rId12"/>
+    <p:sldId id="276" r:id="rId13"/>
+    <p:sldId id="280" r:id="rId14"/>
   </p:sldIdLst>
   <p:sldSz cx="9144000" cy="6858000" type="screen4x3"/>
   <p:notesSz cx="7010400" cy="9296400"/>
@@ -5165,6 +5167,406 @@
       </p:grpSpPr>
       <p:sp>
         <p:nvSpPr>
+          <p:cNvPr id="18434" name="Rectangle 2"/>
+          <p:cNvSpPr>
+            <a:spLocks noGrp="1" noChangeArrowheads="1"/>
+          </p:cNvSpPr>
+          <p:nvPr>
+            <p:ph type="title"/>
+          </p:nvPr>
+        </p:nvSpPr>
+        <p:spPr/>
+        <p:txBody>
+          <a:bodyPr/>
+          <a:lstStyle/>
+          <a:p>
+            <a:r>
+              <a:rPr lang="ko-KR" altLang="en-US" dirty="0">
+                <a:ea typeface="굴림" charset="-127"/>
+              </a:rPr>
+              <a:t>게임 컨셉</a:t>
+            </a:r>
+          </a:p>
+        </p:txBody>
+      </p:sp>
+      <p:sp>
+        <p:nvSpPr>
+          <p:cNvPr id="18435" name="Rectangle 3"/>
+          <p:cNvSpPr>
+            <a:spLocks noGrp="1" noChangeArrowheads="1"/>
+          </p:cNvSpPr>
+          <p:nvPr>
+            <p:ph type="body" idx="1"/>
+          </p:nvPr>
+        </p:nvSpPr>
+        <p:spPr>
+          <a:xfrm>
+            <a:off x="457200" y="1600200"/>
+            <a:ext cx="8229600" cy="4530725"/>
+          </a:xfrm>
+        </p:spPr>
+        <p:txBody>
+          <a:bodyPr/>
+          <a:lstStyle/>
+          <a:p>
+            <a:r>
+              <a:rPr lang="ko-KR" altLang="en-US" dirty="0">
+                <a:ea typeface="굴림" charset="-127"/>
+              </a:rPr>
+              <a:t>시점</a:t>
+            </a:r>
+            <a:endParaRPr lang="en-US" altLang="ko-KR" dirty="0">
+              <a:ea typeface="굴림" charset="-127"/>
+            </a:endParaRPr>
+          </a:p>
+          <a:p>
+            <a:pPr lvl="1"/>
+            <a:r>
+              <a:rPr lang="ko-KR" altLang="en-US" dirty="0">
+                <a:ea typeface="굴림" charset="-127"/>
+              </a:rPr>
+              <a:t>군주</a:t>
+            </a:r>
+            <a:endParaRPr lang="en-US" altLang="ko-KR" dirty="0">
+              <a:ea typeface="굴림" charset="-127"/>
+            </a:endParaRPr>
+          </a:p>
+          <a:p>
+            <a:pPr lvl="2"/>
+            <a:r>
+              <a:rPr lang="ko-KR" altLang="en-US" dirty="0" err="1">
+                <a:ea typeface="굴림" charset="-127"/>
+              </a:rPr>
+              <a:t>탑뷰</a:t>
+            </a:r>
+            <a:endParaRPr lang="en-US" altLang="ko-KR" dirty="0">
+              <a:ea typeface="굴림" charset="-127"/>
+            </a:endParaRPr>
+          </a:p>
+          <a:p>
+            <a:pPr lvl="2"/>
+            <a:endParaRPr lang="en-US" altLang="ko-KR" dirty="0">
+              <a:ea typeface="굴림" charset="-127"/>
+            </a:endParaRPr>
+          </a:p>
+          <a:p>
+            <a:pPr lvl="1"/>
+            <a:r>
+              <a:rPr lang="ko-KR" altLang="en-US" dirty="0">
+                <a:ea typeface="굴림" charset="-127"/>
+              </a:rPr>
+              <a:t>장수</a:t>
+            </a:r>
+            <a:endParaRPr lang="en-US" altLang="ko-KR" dirty="0">
+              <a:ea typeface="굴림" charset="-127"/>
+            </a:endParaRPr>
+          </a:p>
+          <a:p>
+            <a:pPr lvl="2"/>
+            <a:r>
+              <a:rPr lang="en-US" altLang="ko-KR" dirty="0">
+                <a:ea typeface="굴림" charset="-127"/>
+              </a:rPr>
+              <a:t>1</a:t>
+            </a:r>
+            <a:r>
+              <a:rPr lang="ko-KR" altLang="en-US" dirty="0">
+                <a:ea typeface="굴림" charset="-127"/>
+              </a:rPr>
+              <a:t>인칭</a:t>
+            </a:r>
+            <a:endParaRPr lang="en-US" altLang="ko-KR" dirty="0">
+              <a:ea typeface="굴림" charset="-127"/>
+            </a:endParaRPr>
+          </a:p>
+          <a:p>
+            <a:pPr lvl="2"/>
+            <a:r>
+              <a:rPr lang="en-US" altLang="ko-KR" dirty="0">
+                <a:ea typeface="굴림" charset="-127"/>
+              </a:rPr>
+              <a:t>3</a:t>
+            </a:r>
+            <a:r>
+              <a:rPr lang="ko-KR" altLang="en-US" dirty="0">
+                <a:ea typeface="굴림" charset="-127"/>
+              </a:rPr>
+              <a:t>인칭</a:t>
+            </a:r>
+            <a:endParaRPr lang="en-US" altLang="ko-KR" dirty="0">
+              <a:ea typeface="굴림" charset="-127"/>
+            </a:endParaRPr>
+          </a:p>
+          <a:p>
+            <a:pPr lvl="1"/>
+            <a:endParaRPr lang="en-US" altLang="ko-KR" dirty="0">
+              <a:ea typeface="굴림" charset="-127"/>
+            </a:endParaRPr>
+          </a:p>
+        </p:txBody>
+      </p:sp>
+      <p:sp>
+        <p:nvSpPr>
+          <p:cNvPr id="2" name="슬라이드 번호 개체 틀 1">
+            <a:extLst>
+              <a:ext uri="{FF2B5EF4-FFF2-40B4-BE49-F238E27FC236}">
+                <a16:creationId xmlns:a16="http://schemas.microsoft.com/office/drawing/2014/main" id="{D37A97BB-E316-4A24-BC65-5D9199FBE861}"/>
+              </a:ext>
+            </a:extLst>
+          </p:cNvPr>
+          <p:cNvSpPr>
+            <a:spLocks noGrp="1"/>
+          </p:cNvSpPr>
+          <p:nvPr>
+            <p:ph type="sldNum" sz="quarter" idx="12"/>
+          </p:nvPr>
+        </p:nvSpPr>
+        <p:spPr/>
+        <p:txBody>
+          <a:bodyPr/>
+          <a:lstStyle/>
+          <a:p>
+            <a:fld id="{3BD6D15D-A852-4CD8-9A3A-849FE3857B67}" type="slidenum">
+              <a:rPr lang="en-US" smtClean="0"/>
+              <a:pPr/>
+              <a:t>10</a:t>
+            </a:fld>
+            <a:endParaRPr lang="en-US"/>
+          </a:p>
+        </p:txBody>
+      </p:sp>
+    </p:spTree>
+    <p:extLst>
+      <p:ext uri="{BB962C8B-B14F-4D97-AF65-F5344CB8AC3E}">
+        <p14:creationId xmlns:p14="http://schemas.microsoft.com/office/powerpoint/2010/main" val="106210251"/>
+      </p:ext>
+    </p:extLst>
+  </p:cSld>
+  <p:clrMapOvr>
+    <a:masterClrMapping/>
+  </p:clrMapOvr>
+  <p:transition spd="med">
+    <p:fade/>
+  </p:transition>
+</p:sld>
+</file>
+
+<file path=ppt/slides/slide11.xml><?xml version="1.0" encoding="utf-8"?>
+<p:sld xmlns:a="http://schemas.openxmlformats.org/drawingml/2006/main" xmlns:r="http://schemas.openxmlformats.org/officeDocument/2006/relationships" xmlns:p="http://schemas.openxmlformats.org/presentationml/2006/main">
+  <p:cSld>
+    <p:spTree>
+      <p:nvGrpSpPr>
+        <p:cNvPr id="1" name=""/>
+        <p:cNvGrpSpPr/>
+        <p:nvPr/>
+      </p:nvGrpSpPr>
+      <p:grpSpPr>
+        <a:xfrm>
+          <a:off x="0" y="0"/>
+          <a:ext cx="0" cy="0"/>
+          <a:chOff x="0" y="0"/>
+          <a:chExt cx="0" cy="0"/>
+        </a:xfrm>
+      </p:grpSpPr>
+      <p:sp>
+        <p:nvSpPr>
+          <p:cNvPr id="18434" name="Rectangle 2"/>
+          <p:cNvSpPr>
+            <a:spLocks noGrp="1" noChangeArrowheads="1"/>
+          </p:cNvSpPr>
+          <p:nvPr>
+            <p:ph type="title"/>
+          </p:nvPr>
+        </p:nvSpPr>
+        <p:spPr/>
+        <p:txBody>
+          <a:bodyPr/>
+          <a:lstStyle/>
+          <a:p>
+            <a:r>
+              <a:rPr lang="ko-KR" altLang="en-US" dirty="0">
+                <a:ea typeface="굴림" charset="-127"/>
+              </a:rPr>
+              <a:t>게임 컨셉</a:t>
+            </a:r>
+          </a:p>
+        </p:txBody>
+      </p:sp>
+      <p:sp>
+        <p:nvSpPr>
+          <p:cNvPr id="18435" name="Rectangle 3"/>
+          <p:cNvSpPr>
+            <a:spLocks noGrp="1" noChangeArrowheads="1"/>
+          </p:cNvSpPr>
+          <p:nvPr>
+            <p:ph type="body" idx="1"/>
+          </p:nvPr>
+        </p:nvSpPr>
+        <p:spPr>
+          <a:xfrm>
+            <a:off x="457200" y="1600200"/>
+            <a:ext cx="8229600" cy="4530725"/>
+          </a:xfrm>
+        </p:spPr>
+        <p:txBody>
+          <a:bodyPr/>
+          <a:lstStyle/>
+          <a:p>
+            <a:r>
+              <a:rPr lang="ko-KR" altLang="en-US" dirty="0">
+                <a:ea typeface="굴림" charset="-127"/>
+              </a:rPr>
+              <a:t>전투</a:t>
+            </a:r>
+            <a:endParaRPr lang="en-US" altLang="ko-KR" dirty="0">
+              <a:ea typeface="굴림" charset="-127"/>
+            </a:endParaRPr>
+          </a:p>
+          <a:p>
+            <a:pPr lvl="1"/>
+            <a:r>
+              <a:rPr lang="ko-KR" altLang="en-US" dirty="0">
+                <a:ea typeface="굴림" charset="-127"/>
+              </a:rPr>
+              <a:t>최소 두 진형의 전쟁으로 가정한다</a:t>
+            </a:r>
+            <a:r>
+              <a:rPr lang="en-US" altLang="ko-KR" dirty="0">
+                <a:ea typeface="굴림" charset="-127"/>
+              </a:rPr>
+              <a:t>.</a:t>
+            </a:r>
+          </a:p>
+          <a:p>
+            <a:pPr lvl="1"/>
+            <a:endParaRPr lang="en-US" altLang="ko-KR" dirty="0">
+              <a:ea typeface="굴림" charset="-127"/>
+            </a:endParaRPr>
+          </a:p>
+          <a:p>
+            <a:pPr lvl="1"/>
+            <a:r>
+              <a:rPr lang="ko-KR" altLang="en-US" dirty="0">
+                <a:ea typeface="굴림" charset="-127"/>
+              </a:rPr>
+              <a:t>각 진형은 일정 시간마다 자원을 획득한다</a:t>
+            </a:r>
+            <a:r>
+              <a:rPr lang="en-US" altLang="ko-KR" dirty="0">
+                <a:ea typeface="굴림" charset="-127"/>
+              </a:rPr>
+              <a:t>.</a:t>
+            </a:r>
+          </a:p>
+          <a:p>
+            <a:pPr lvl="1"/>
+            <a:r>
+              <a:rPr lang="ko-KR" altLang="en-US" dirty="0">
+                <a:ea typeface="굴림" charset="-127"/>
+              </a:rPr>
+              <a:t>자원을 이용하여 유닛을 생산한다</a:t>
+            </a:r>
+            <a:r>
+              <a:rPr lang="en-US" altLang="ko-KR" dirty="0">
+                <a:ea typeface="굴림" charset="-127"/>
+              </a:rPr>
+              <a:t>.</a:t>
+            </a:r>
+          </a:p>
+          <a:p>
+            <a:pPr lvl="1"/>
+            <a:r>
+              <a:rPr lang="ko-KR" altLang="en-US" dirty="0">
+                <a:ea typeface="굴림" charset="-127"/>
+              </a:rPr>
+              <a:t>생산 된 유닛 중 하나가 장수가 된다</a:t>
+            </a:r>
+            <a:r>
+              <a:rPr lang="en-US" altLang="ko-KR" dirty="0">
+                <a:ea typeface="굴림" charset="-127"/>
+              </a:rPr>
+              <a:t>.</a:t>
+            </a:r>
+          </a:p>
+          <a:p>
+            <a:pPr lvl="1"/>
+            <a:endParaRPr lang="en-US" altLang="ko-KR" dirty="0">
+              <a:ea typeface="굴림" charset="-127"/>
+            </a:endParaRPr>
+          </a:p>
+          <a:p>
+            <a:pPr lvl="1"/>
+            <a:endParaRPr lang="en-US" altLang="ko-KR" dirty="0">
+              <a:ea typeface="굴림" charset="-127"/>
+            </a:endParaRPr>
+          </a:p>
+        </p:txBody>
+      </p:sp>
+      <p:sp>
+        <p:nvSpPr>
+          <p:cNvPr id="2" name="슬라이드 번호 개체 틀 1">
+            <a:extLst>
+              <a:ext uri="{FF2B5EF4-FFF2-40B4-BE49-F238E27FC236}">
+                <a16:creationId xmlns:a16="http://schemas.microsoft.com/office/drawing/2014/main" id="{D37A97BB-E316-4A24-BC65-5D9199FBE861}"/>
+              </a:ext>
+            </a:extLst>
+          </p:cNvPr>
+          <p:cNvSpPr>
+            <a:spLocks noGrp="1"/>
+          </p:cNvSpPr>
+          <p:nvPr>
+            <p:ph type="sldNum" sz="quarter" idx="12"/>
+          </p:nvPr>
+        </p:nvSpPr>
+        <p:spPr/>
+        <p:txBody>
+          <a:bodyPr/>
+          <a:lstStyle/>
+          <a:p>
+            <a:fld id="{3BD6D15D-A852-4CD8-9A3A-849FE3857B67}" type="slidenum">
+              <a:rPr lang="en-US" smtClean="0"/>
+              <a:pPr/>
+              <a:t>11</a:t>
+            </a:fld>
+            <a:endParaRPr lang="en-US"/>
+          </a:p>
+        </p:txBody>
+      </p:sp>
+    </p:spTree>
+    <p:extLst>
+      <p:ext uri="{BB962C8B-B14F-4D97-AF65-F5344CB8AC3E}">
+        <p14:creationId xmlns:p14="http://schemas.microsoft.com/office/powerpoint/2010/main" val="730286430"/>
+      </p:ext>
+    </p:extLst>
+  </p:cSld>
+  <p:clrMapOvr>
+    <a:masterClrMapping/>
+  </p:clrMapOvr>
+  <p:transition spd="med">
+    <p:fade/>
+  </p:transition>
+</p:sld>
+</file>
+
+<file path=ppt/slides/slide12.xml><?xml version="1.0" encoding="utf-8"?>
+<p:sld xmlns:a="http://schemas.openxmlformats.org/drawingml/2006/main" xmlns:r="http://schemas.openxmlformats.org/officeDocument/2006/relationships" xmlns:p="http://schemas.openxmlformats.org/presentationml/2006/main">
+  <p:cSld>
+    <p:spTree>
+      <p:nvGrpSpPr>
+        <p:cNvPr id="1" name=""/>
+        <p:cNvGrpSpPr/>
+        <p:nvPr/>
+      </p:nvGrpSpPr>
+      <p:grpSpPr>
+        <a:xfrm>
+          <a:off x="0" y="0"/>
+          <a:ext cx="0" cy="0"/>
+          <a:chOff x="0" y="0"/>
+          <a:chExt cx="0" cy="0"/>
+        </a:xfrm>
+      </p:grpSpPr>
+      <p:sp>
+        <p:nvSpPr>
           <p:cNvPr id="2" name="제목 1">
             <a:extLst>
               <a:ext uri="{FF2B5EF4-FFF2-40B4-BE49-F238E27FC236}">
@@ -5253,7 +5655,7 @@
             <a:fld id="{3BD6D15D-A852-4CD8-9A3A-849FE3857B67}" type="slidenum">
               <a:rPr lang="en-US" smtClean="0"/>
               <a:pPr/>
-              <a:t>10</a:t>
+              <a:t>12</a:t>
             </a:fld>
             <a:endParaRPr lang="en-US"/>
           </a:p>
@@ -5310,7 +5712,7 @@
         <p:spPr>
           <a:xfrm flipH="1">
             <a:off x="4156539" y="2492896"/>
-            <a:ext cx="4274761" cy="923330"/>
+            <a:ext cx="4274761" cy="369332"/>
           </a:xfrm>
           <a:prstGeom prst="rect">
             <a:avLst/>
@@ -5325,13 +5727,16 @@
           <a:p>
             <a:r>
               <a:rPr lang="ko-KR" altLang="en-US" dirty="0"/>
-              <a:t>플레이어 혹은 컴퓨터가 자원을 채취하고 유닛을 생산하여 상대와 전투를 벌입니다</a:t>
+              <a:t>설명을 어찌 </a:t>
+            </a:r>
+            <a:r>
+              <a:rPr lang="ko-KR" altLang="en-US" dirty="0" err="1"/>
+              <a:t>쓸까나</a:t>
             </a:r>
             <a:r>
               <a:rPr lang="en-US" altLang="ko-KR" dirty="0"/>
-              <a:t>.</a:t>
-            </a:r>
-            <a:endParaRPr lang="ko-KR" altLang="en-US" dirty="0"/>
+              <a:t>…</a:t>
+            </a:r>
           </a:p>
         </p:txBody>
       </p:sp>
@@ -5386,7 +5791,7 @@
         <p:spPr>
           <a:xfrm>
             <a:off x="4156539" y="4679791"/>
-            <a:ext cx="4826962" cy="1477328"/>
+            <a:ext cx="4596130" cy="1477328"/>
           </a:xfrm>
           <a:prstGeom prst="rect">
             <a:avLst/>
@@ -5408,7 +5813,7 @@
           <a:p>
             <a:r>
               <a:rPr lang="ko-KR" altLang="en-US" dirty="0"/>
-              <a:t>무작위로 선택되어 플레이하게 됩니다</a:t>
+              <a:t>무작위로 선택되어 플레이 한다</a:t>
             </a:r>
             <a:r>
               <a:rPr lang="en-US" altLang="ko-KR" dirty="0"/>
@@ -5421,14 +5826,17 @@
           <a:p>
             <a:r>
               <a:rPr lang="ko-KR" altLang="en-US" dirty="0"/>
-              <a:t>플레이어의 킬 수에 따라 자원이 지급되며</a:t>
-            </a:r>
-            <a:endParaRPr lang="en-US" altLang="ko-KR" dirty="0"/>
+              <a:t>플레이어의 킬 수에 따라 자원이 지급된다</a:t>
+            </a:r>
+            <a:r>
+              <a:rPr lang="en-US" altLang="ko-KR" dirty="0"/>
+              <a:t>.</a:t>
+            </a:r>
           </a:p>
           <a:p>
             <a:r>
               <a:rPr lang="ko-KR" altLang="en-US" dirty="0"/>
-              <a:t>자원을 이용하여 업그레이드하여 강해집니다</a:t>
+              <a:t>자원을 이용하여 강해질 수 있다</a:t>
             </a:r>
             <a:r>
               <a:rPr lang="en-US" altLang="ko-KR" dirty="0"/>
@@ -6032,7 +6440,7 @@
               <a:rPr lang="ko-KR" altLang="en-US" dirty="0">
                 <a:ea typeface="굴림" charset="-127"/>
               </a:rPr>
-              <a:t>배경</a:t>
+              <a:t>스토리 요약</a:t>
             </a:r>
             <a:endParaRPr lang="en-US" altLang="ko-KR" dirty="0">
               <a:ea typeface="굴림" charset="-127"/>
@@ -6040,6 +6448,129 @@
           </a:p>
           <a:p>
             <a:pPr lvl="1"/>
+            <a:r>
+              <a:rPr lang="ko-KR" altLang="en-US" dirty="0">
+                <a:ea typeface="굴림" charset="-127"/>
+              </a:rPr>
+              <a:t>우리 은하와 안드로메다 은하의 충돌로 인해 거대한 중력파가 지구를 덮쳤고 그 결과 대륙은 찢겨 나가고 다시 합쳐지며 국가는 사라지고 세상은 혼란에 빠진다</a:t>
+            </a:r>
+            <a:r>
+              <a:rPr lang="en-US" altLang="ko-KR" dirty="0">
+                <a:ea typeface="굴림" charset="-127"/>
+              </a:rPr>
+              <a:t>.</a:t>
+            </a:r>
+          </a:p>
+          <a:p>
+            <a:pPr lvl="1"/>
+            <a:endParaRPr lang="en-US" altLang="ko-KR" dirty="0">
+              <a:ea typeface="굴림" charset="-127"/>
+            </a:endParaRPr>
+          </a:p>
+          <a:p>
+            <a:pPr lvl="1"/>
+            <a:r>
+              <a:rPr lang="ko-KR" altLang="en-US" dirty="0">
+                <a:ea typeface="굴림" charset="-127"/>
+              </a:rPr>
+              <a:t>또한</a:t>
+            </a:r>
+            <a:r>
+              <a:rPr lang="en-US" altLang="ko-KR" dirty="0">
+                <a:ea typeface="굴림" charset="-127"/>
+              </a:rPr>
+              <a:t>, </a:t>
+            </a:r>
+            <a:r>
+              <a:rPr lang="ko-KR" altLang="en-US" dirty="0">
+                <a:ea typeface="굴림" charset="-127"/>
+              </a:rPr>
+              <a:t>중력파는 시간의 축 마저 뒤틀어 놓았으며 그 결과 과거</a:t>
+            </a:r>
+            <a:r>
+              <a:rPr lang="en-US" altLang="ko-KR" dirty="0">
+                <a:ea typeface="굴림" charset="-127"/>
+              </a:rPr>
+              <a:t>, </a:t>
+            </a:r>
+            <a:r>
+              <a:rPr lang="ko-KR" altLang="en-US" dirty="0">
+                <a:ea typeface="굴림" charset="-127"/>
+              </a:rPr>
+              <a:t>현재</a:t>
+            </a:r>
+            <a:r>
+              <a:rPr lang="en-US" altLang="ko-KR" dirty="0">
+                <a:ea typeface="굴림" charset="-127"/>
+              </a:rPr>
+              <a:t>, </a:t>
+            </a:r>
+            <a:r>
+              <a:rPr lang="ko-KR" altLang="en-US" dirty="0">
+                <a:ea typeface="굴림" charset="-127"/>
+              </a:rPr>
+              <a:t>미래가 함께 존재하게 된다</a:t>
+            </a:r>
+            <a:r>
+              <a:rPr lang="en-US" altLang="ko-KR" dirty="0">
+                <a:ea typeface="굴림" charset="-127"/>
+              </a:rPr>
+              <a:t>.</a:t>
+            </a:r>
+          </a:p>
+          <a:p>
+            <a:pPr lvl="1"/>
+            <a:endParaRPr lang="en-US" altLang="ko-KR" dirty="0">
+              <a:ea typeface="굴림" charset="-127"/>
+            </a:endParaRPr>
+          </a:p>
+          <a:p>
+            <a:pPr lvl="1"/>
+            <a:r>
+              <a:rPr lang="ko-KR" altLang="en-US" dirty="0">
+                <a:ea typeface="굴림" charset="-127"/>
+              </a:rPr>
+              <a:t>과거</a:t>
+            </a:r>
+            <a:r>
+              <a:rPr lang="en-US" altLang="ko-KR" dirty="0">
+                <a:ea typeface="굴림" charset="-127"/>
+              </a:rPr>
+              <a:t>, </a:t>
+            </a:r>
+            <a:r>
+              <a:rPr lang="ko-KR" altLang="en-US" dirty="0">
+                <a:ea typeface="굴림" charset="-127"/>
+              </a:rPr>
+              <a:t>현재</a:t>
+            </a:r>
+            <a:r>
+              <a:rPr lang="en-US" altLang="ko-KR" dirty="0">
+                <a:ea typeface="굴림" charset="-127"/>
+              </a:rPr>
+              <a:t>, </a:t>
+            </a:r>
+            <a:r>
+              <a:rPr lang="ko-KR" altLang="en-US" dirty="0">
+                <a:ea typeface="굴림" charset="-127"/>
+              </a:rPr>
+              <a:t>미래의 수많은 영웅들이 깨어났다</a:t>
+            </a:r>
+            <a:r>
+              <a:rPr lang="en-US" altLang="ko-KR" dirty="0">
+                <a:ea typeface="굴림" charset="-127"/>
+              </a:rPr>
+              <a:t>.</a:t>
+            </a:r>
+          </a:p>
+          <a:p>
+            <a:pPr lvl="1"/>
+            <a:r>
+              <a:rPr lang="en-US" altLang="ko-KR">
+                <a:ea typeface="굴림" charset="-127"/>
+              </a:rPr>
+              <a:t>??</a:t>
+            </a:r>
             <a:endParaRPr lang="en-US" altLang="ko-KR" dirty="0">
               <a:ea typeface="굴림" charset="-127"/>
             </a:endParaRPr>
@@ -6079,7 +6610,7 @@
     </p:spTree>
     <p:extLst>
       <p:ext uri="{BB962C8B-B14F-4D97-AF65-F5344CB8AC3E}">
-        <p14:creationId xmlns:p14="http://schemas.microsoft.com/office/powerpoint/2010/main" val="1270351663"/>
+        <p14:creationId xmlns:p14="http://schemas.microsoft.com/office/powerpoint/2010/main" val="1801939899"/>
       </p:ext>
     </p:extLst>
   </p:cSld>
@@ -6157,7 +6688,7 @@
               <a:rPr lang="ko-KR" altLang="en-US" dirty="0">
                 <a:ea typeface="굴림" charset="-127"/>
               </a:rPr>
-              <a:t>그래픽</a:t>
+              <a:t>배경</a:t>
             </a:r>
             <a:endParaRPr lang="en-US" altLang="ko-KR" dirty="0">
               <a:ea typeface="굴림" charset="-127"/>
@@ -6166,62 +6697,86 @@
           <a:p>
             <a:pPr lvl="1"/>
             <a:r>
+              <a:rPr lang="ko-KR" altLang="en-US" dirty="0">
+                <a:ea typeface="굴림" charset="-127"/>
+              </a:rPr>
+              <a:t>국가가 사라졌으며 난세가 시작되었다</a:t>
+            </a:r>
+            <a:r>
               <a:rPr lang="en-US" altLang="ko-KR" dirty="0">
                 <a:ea typeface="굴림" charset="-127"/>
               </a:rPr>
-              <a:t>3D</a:t>
-            </a:r>
-          </a:p>
-          <a:p>
-            <a:pPr lvl="2"/>
-            <a:endParaRPr lang="en-US" altLang="ko-KR" dirty="0">
-              <a:ea typeface="굴림" charset="-127"/>
-            </a:endParaRPr>
+              <a:t>.</a:t>
+            </a:r>
           </a:p>
           <a:p>
             <a:pPr lvl="1"/>
             <a:r>
+              <a:rPr lang="ko-KR" altLang="en-US" dirty="0">
+                <a:ea typeface="굴림" charset="-127"/>
+              </a:rPr>
+              <a:t>수많은 영웅들이 출현한다</a:t>
+            </a:r>
+            <a:r>
               <a:rPr lang="en-US" altLang="ko-KR" dirty="0">
                 <a:ea typeface="굴림" charset="-127"/>
               </a:rPr>
-              <a:t>SD </a:t>
-            </a:r>
+              <a:t>.</a:t>
+            </a:r>
+          </a:p>
+          <a:p>
+            <a:pPr lvl="1"/>
             <a:r>
               <a:rPr lang="ko-KR" altLang="en-US" dirty="0">
                 <a:ea typeface="굴림" charset="-127"/>
               </a:rPr>
-              <a:t>캐릭터</a:t>
-            </a:r>
-            <a:endParaRPr lang="en-US" altLang="ko-KR" dirty="0">
-              <a:ea typeface="굴림" charset="-127"/>
-            </a:endParaRPr>
-          </a:p>
-          <a:p>
-            <a:pPr lvl="2"/>
+              <a:t>과거</a:t>
+            </a:r>
+            <a:r>
+              <a:rPr lang="en-US" altLang="ko-KR" dirty="0">
+                <a:ea typeface="굴림" charset="-127"/>
+              </a:rPr>
+              <a:t>, </a:t>
+            </a:r>
             <a:r>
               <a:rPr lang="ko-KR" altLang="en-US" dirty="0">
                 <a:ea typeface="굴림" charset="-127"/>
               </a:rPr>
-              <a:t>전투 장면이 잔인해 지지 않도록 한다</a:t>
+              <a:t>현재</a:t>
             </a:r>
             <a:r>
               <a:rPr lang="en-US" altLang="ko-KR" dirty="0">
                 <a:ea typeface="굴림" charset="-127"/>
               </a:rPr>
+              <a:t>, </a:t>
+            </a:r>
+            <a:r>
+              <a:rPr lang="ko-KR" altLang="en-US" dirty="0">
+                <a:ea typeface="굴림" charset="-127"/>
+              </a:rPr>
+              <a:t>미래의 유닛이 공존한다</a:t>
+            </a:r>
+            <a:r>
+              <a:rPr lang="en-US" altLang="ko-KR" dirty="0">
+                <a:ea typeface="굴림" charset="-127"/>
+              </a:rPr>
               <a:t>.</a:t>
             </a:r>
           </a:p>
           <a:p>
-            <a:pPr lvl="2"/>
-            <a:endParaRPr lang="en-US" altLang="ko-KR" dirty="0">
-              <a:ea typeface="굴림" charset="-127"/>
-            </a:endParaRPr>
-          </a:p>
-          <a:p>
             <a:pPr lvl="1"/>
-            <a:endParaRPr lang="en-US" altLang="ko-KR" dirty="0">
-              <a:ea typeface="굴림" charset="-127"/>
-            </a:endParaRPr>
+            <a:r>
+              <a:rPr lang="ko-KR" altLang="en-US" dirty="0">
+                <a:ea typeface="굴림" charset="-127"/>
+              </a:rPr>
+              <a:t>한정된 자원으로 세계를 정복한다</a:t>
+            </a:r>
+            <a:r>
+              <a:rPr lang="en-US" altLang="ko-KR" dirty="0">
+                <a:ea typeface="굴림" charset="-127"/>
+              </a:rPr>
+              <a:t>.</a:t>
+            </a:r>
           </a:p>
         </p:txBody>
       </p:sp>
@@ -6258,7 +6813,7 @@
     </p:spTree>
     <p:extLst>
       <p:ext uri="{BB962C8B-B14F-4D97-AF65-F5344CB8AC3E}">
-        <p14:creationId xmlns:p14="http://schemas.microsoft.com/office/powerpoint/2010/main" val="855177773"/>
+        <p14:creationId xmlns:p14="http://schemas.microsoft.com/office/powerpoint/2010/main" val="1270351663"/>
       </p:ext>
     </p:extLst>
   </p:cSld>
@@ -6336,7 +6891,7 @@
               <a:rPr lang="ko-KR" altLang="en-US" dirty="0">
                 <a:ea typeface="굴림" charset="-127"/>
               </a:rPr>
-              <a:t>플레이어 구분</a:t>
+              <a:t>그래픽</a:t>
             </a:r>
             <a:endParaRPr lang="en-US" altLang="ko-KR" dirty="0">
               <a:ea typeface="굴림" charset="-127"/>
@@ -6345,10 +6900,37 @@
           <a:p>
             <a:pPr lvl="1"/>
             <a:r>
+              <a:rPr lang="en-US" altLang="ko-KR" dirty="0">
+                <a:ea typeface="굴림" charset="-127"/>
+              </a:rPr>
+              <a:t>3D</a:t>
+            </a:r>
+          </a:p>
+          <a:p>
+            <a:pPr lvl="2"/>
+            <a:endParaRPr lang="en-US" altLang="ko-KR" dirty="0">
+              <a:ea typeface="굴림" charset="-127"/>
+            </a:endParaRPr>
+          </a:p>
+          <a:p>
+            <a:pPr lvl="1"/>
+            <a:r>
               <a:rPr lang="ko-KR" altLang="en-US" dirty="0">
                 <a:ea typeface="굴림" charset="-127"/>
               </a:rPr>
-              <a:t>플레이어는 군주와 장수로 구분된다</a:t>
+              <a:t>캐주얼</a:t>
+            </a:r>
+            <a:endParaRPr lang="en-US" altLang="ko-KR" dirty="0">
+              <a:ea typeface="굴림" charset="-127"/>
+            </a:endParaRPr>
+          </a:p>
+          <a:p>
+            <a:pPr lvl="2"/>
+            <a:r>
+              <a:rPr lang="ko-KR" altLang="en-US" dirty="0">
+                <a:ea typeface="굴림" charset="-127"/>
+              </a:rPr>
+              <a:t>전투 장면이 잔인해 지지 않도록 한다</a:t>
             </a:r>
             <a:r>
               <a:rPr lang="en-US" altLang="ko-KR" dirty="0">
@@ -6369,28 +6951,19 @@
               <a:rPr lang="ko-KR" altLang="en-US" dirty="0">
                 <a:ea typeface="굴림" charset="-127"/>
               </a:rPr>
-              <a:t>군주는 유닛의 생산과 배치를 담당한다</a:t>
-            </a:r>
-            <a:r>
-              <a:rPr lang="en-US" altLang="ko-KR" dirty="0">
-                <a:ea typeface="굴림" charset="-127"/>
-              </a:rPr>
-              <a:t>.</a:t>
-            </a:r>
-          </a:p>
-          <a:p>
-            <a:pPr lvl="1"/>
+              <a:t>과장</a:t>
+            </a:r>
             <a:endParaRPr lang="en-US" altLang="ko-KR" dirty="0">
               <a:ea typeface="굴림" charset="-127"/>
             </a:endParaRPr>
           </a:p>
           <a:p>
-            <a:pPr lvl="1"/>
+            <a:pPr lvl="2"/>
             <a:r>
               <a:rPr lang="ko-KR" altLang="en-US" dirty="0">
                 <a:ea typeface="굴림" charset="-127"/>
               </a:rPr>
-              <a:t>장수는 유닛 중 하나를 조종한다</a:t>
+              <a:t>액션성을 늘린다</a:t>
             </a:r>
             <a:r>
               <a:rPr lang="en-US" altLang="ko-KR" dirty="0">
@@ -6398,84 +6971,6 @@
               </a:rPr>
               <a:t>.</a:t>
             </a:r>
-          </a:p>
-          <a:p>
-            <a:pPr lvl="1"/>
-            <a:r>
-              <a:rPr lang="ko-KR" altLang="en-US" dirty="0">
-                <a:ea typeface="굴림" charset="-127"/>
-              </a:rPr>
-              <a:t>장수의 유닛은 진화를 한다</a:t>
-            </a:r>
-            <a:r>
-              <a:rPr lang="en-US" altLang="ko-KR" dirty="0">
-                <a:ea typeface="굴림" charset="-127"/>
-              </a:rPr>
-              <a:t>.</a:t>
-            </a:r>
-          </a:p>
-          <a:p>
-            <a:pPr lvl="1"/>
-            <a:r>
-              <a:rPr lang="ko-KR" altLang="en-US" dirty="0">
-                <a:ea typeface="굴림" charset="-127"/>
-              </a:rPr>
-              <a:t>진화는 다음과 같은 효과를 부여한다</a:t>
-            </a:r>
-            <a:r>
-              <a:rPr lang="en-US" altLang="ko-KR" dirty="0">
-                <a:ea typeface="굴림" charset="-127"/>
-              </a:rPr>
-              <a:t>.</a:t>
-            </a:r>
-          </a:p>
-          <a:p>
-            <a:pPr lvl="2"/>
-            <a:r>
-              <a:rPr lang="ko-KR" altLang="en-US" dirty="0">
-                <a:ea typeface="굴림" charset="-127"/>
-              </a:rPr>
-              <a:t>공격력</a:t>
-            </a:r>
-            <a:r>
-              <a:rPr lang="en-US" altLang="ko-KR" dirty="0">
-                <a:ea typeface="굴림" charset="-127"/>
-              </a:rPr>
-              <a:t>, </a:t>
-            </a:r>
-            <a:r>
-              <a:rPr lang="ko-KR" altLang="en-US" dirty="0">
-                <a:ea typeface="굴림" charset="-127"/>
-              </a:rPr>
-              <a:t>방어력 등이 좋아진다</a:t>
-            </a:r>
-            <a:r>
-              <a:rPr lang="en-US" altLang="ko-KR" dirty="0">
-                <a:ea typeface="굴림" charset="-127"/>
-              </a:rPr>
-              <a:t>.</a:t>
-            </a:r>
-          </a:p>
-          <a:p>
-            <a:pPr lvl="2"/>
-            <a:r>
-              <a:rPr lang="ko-KR" altLang="en-US" dirty="0">
-                <a:ea typeface="굴림" charset="-127"/>
-              </a:rPr>
-              <a:t>새로운 스킬을 사용할 수 있게 된다</a:t>
-            </a:r>
-            <a:r>
-              <a:rPr lang="en-US" altLang="ko-KR" dirty="0">
-                <a:ea typeface="굴림" charset="-127"/>
-              </a:rPr>
-              <a:t>.</a:t>
-            </a:r>
-          </a:p>
-          <a:p>
-            <a:pPr lvl="2"/>
-            <a:endParaRPr lang="en-US" altLang="ko-KR" dirty="0">
-              <a:ea typeface="굴림" charset="-127"/>
-            </a:endParaRPr>
           </a:p>
         </p:txBody>
       </p:sp>
@@ -6512,7 +7007,7 @@
     </p:spTree>
     <p:extLst>
       <p:ext uri="{BB962C8B-B14F-4D97-AF65-F5344CB8AC3E}">
-        <p14:creationId xmlns:p14="http://schemas.microsoft.com/office/powerpoint/2010/main" val="2621898687"/>
+        <p14:creationId xmlns:p14="http://schemas.microsoft.com/office/powerpoint/2010/main" val="855177773"/>
       </p:ext>
     </p:extLst>
   </p:cSld>
@@ -6590,89 +7085,14 @@
               <a:rPr lang="ko-KR" altLang="en-US" dirty="0">
                 <a:ea typeface="굴림" charset="-127"/>
               </a:rPr>
-              <a:t>시점</a:t>
-            </a:r>
-            <a:endParaRPr lang="en-US" altLang="ko-KR" dirty="0">
-              <a:ea typeface="굴림" charset="-127"/>
-            </a:endParaRPr>
-          </a:p>
-          <a:p>
-            <a:pPr lvl="1"/>
-            <a:r>
-              <a:rPr lang="ko-KR" altLang="en-US" dirty="0">
-                <a:ea typeface="굴림" charset="-127"/>
-              </a:rPr>
-              <a:t>군주</a:t>
-            </a:r>
-            <a:endParaRPr lang="en-US" altLang="ko-KR" dirty="0">
-              <a:ea typeface="굴림" charset="-127"/>
-            </a:endParaRPr>
-          </a:p>
-          <a:p>
-            <a:pPr lvl="2"/>
-            <a:r>
-              <a:rPr lang="ko-KR" altLang="en-US" dirty="0" err="1">
-                <a:ea typeface="굴림" charset="-127"/>
-              </a:rPr>
-              <a:t>탑뷰</a:t>
-            </a:r>
-            <a:endParaRPr lang="en-US" altLang="ko-KR" dirty="0">
-              <a:ea typeface="굴림" charset="-127"/>
-            </a:endParaRPr>
-          </a:p>
-          <a:p>
-            <a:pPr lvl="2"/>
-            <a:endParaRPr lang="en-US" altLang="ko-KR" dirty="0">
-              <a:ea typeface="굴림" charset="-127"/>
-            </a:endParaRPr>
-          </a:p>
-          <a:p>
-            <a:pPr lvl="1"/>
-            <a:r>
-              <a:rPr lang="ko-KR" altLang="en-US" dirty="0">
-                <a:ea typeface="굴림" charset="-127"/>
-              </a:rPr>
-              <a:t>장수</a:t>
-            </a:r>
-            <a:endParaRPr lang="en-US" altLang="ko-KR" dirty="0">
-              <a:ea typeface="굴림" charset="-127"/>
-            </a:endParaRPr>
-          </a:p>
-          <a:p>
-            <a:pPr lvl="2"/>
+              <a:t>그래픽 예제 </a:t>
+            </a:r>
             <a:r>
               <a:rPr lang="en-US" altLang="ko-KR" dirty="0">
                 <a:ea typeface="굴림" charset="-127"/>
               </a:rPr>
-              <a:t>1</a:t>
-            </a:r>
-            <a:r>
-              <a:rPr lang="ko-KR" altLang="en-US" dirty="0">
-                <a:ea typeface="굴림" charset="-127"/>
-              </a:rPr>
-              <a:t>인칭</a:t>
-            </a:r>
-            <a:endParaRPr lang="en-US" altLang="ko-KR" dirty="0">
-              <a:ea typeface="굴림" charset="-127"/>
-            </a:endParaRPr>
-          </a:p>
-          <a:p>
-            <a:pPr lvl="2"/>
-            <a:r>
-              <a:rPr lang="en-US" altLang="ko-KR" dirty="0">
-                <a:ea typeface="굴림" charset="-127"/>
-              </a:rPr>
-              <a:t>3</a:t>
-            </a:r>
-            <a:r>
-              <a:rPr lang="ko-KR" altLang="en-US" dirty="0">
-                <a:ea typeface="굴림" charset="-127"/>
-              </a:rPr>
-              <a:t>인칭</a:t>
-            </a:r>
-            <a:endParaRPr lang="en-US" altLang="ko-KR" dirty="0">
-              <a:ea typeface="굴림" charset="-127"/>
-            </a:endParaRPr>
+              <a:t>_ TABS</a:t>
+            </a:r>
           </a:p>
           <a:p>
             <a:pPr lvl="1"/>
@@ -6712,10 +7132,170 @@
           </a:p>
         </p:txBody>
       </p:sp>
+      <p:pic>
+        <p:nvPicPr>
+          <p:cNvPr id="4" name="그림 3">
+            <a:extLst>
+              <a:ext uri="{FF2B5EF4-FFF2-40B4-BE49-F238E27FC236}">
+                <a16:creationId xmlns:a16="http://schemas.microsoft.com/office/drawing/2014/main" id="{43EDE62C-38D4-4201-80F1-7BEFA7272923}"/>
+              </a:ext>
+            </a:extLst>
+          </p:cNvPr>
+          <p:cNvPicPr>
+            <a:picLocks noChangeAspect="1"/>
+          </p:cNvPicPr>
+          <p:nvPr/>
+        </p:nvPicPr>
+        <p:blipFill>
+          <a:blip r:embed="rId2" cstate="print">
+            <a:extLst>
+              <a:ext uri="{28A0092B-C50C-407E-A947-70E740481C1C}">
+                <a14:useLocalDpi xmlns:a14="http://schemas.microsoft.com/office/drawing/2010/main" val="0"/>
+              </a:ext>
+            </a:extLst>
+          </a:blip>
+          <a:stretch>
+            <a:fillRect/>
+          </a:stretch>
+        </p:blipFill>
+        <p:spPr>
+          <a:xfrm>
+            <a:off x="539552" y="4411414"/>
+            <a:ext cx="3888431" cy="2208328"/>
+          </a:xfrm>
+          <a:prstGeom prst="rect">
+            <a:avLst/>
+          </a:prstGeom>
+        </p:spPr>
+      </p:pic>
+      <p:pic>
+        <p:nvPicPr>
+          <p:cNvPr id="6" name="그림 5">
+            <a:extLst>
+              <a:ext uri="{FF2B5EF4-FFF2-40B4-BE49-F238E27FC236}">
+                <a16:creationId xmlns:a16="http://schemas.microsoft.com/office/drawing/2014/main" id="{4E331EB0-EFE7-4A98-8822-218701A2D7E4}"/>
+              </a:ext>
+            </a:extLst>
+          </p:cNvPr>
+          <p:cNvPicPr>
+            <a:picLocks noChangeAspect="1"/>
+          </p:cNvPicPr>
+          <p:nvPr/>
+        </p:nvPicPr>
+        <p:blipFill>
+          <a:blip r:embed="rId3" cstate="print">
+            <a:extLst>
+              <a:ext uri="{28A0092B-C50C-407E-A947-70E740481C1C}">
+                <a14:useLocalDpi xmlns:a14="http://schemas.microsoft.com/office/drawing/2010/main" val="0"/>
+              </a:ext>
+            </a:extLst>
+          </a:blip>
+          <a:stretch>
+            <a:fillRect/>
+          </a:stretch>
+        </p:blipFill>
+        <p:spPr>
+          <a:xfrm>
+            <a:off x="539551" y="2113583"/>
+            <a:ext cx="3888431" cy="2206550"/>
+          </a:xfrm>
+          <a:prstGeom prst="rect">
+            <a:avLst/>
+          </a:prstGeom>
+        </p:spPr>
+      </p:pic>
+      <p:sp>
+        <p:nvSpPr>
+          <p:cNvPr id="7" name="TextBox 6">
+            <a:extLst>
+              <a:ext uri="{FF2B5EF4-FFF2-40B4-BE49-F238E27FC236}">
+                <a16:creationId xmlns:a16="http://schemas.microsoft.com/office/drawing/2014/main" id="{753E18AC-5342-45B8-B793-BBDBBB736C65}"/>
+              </a:ext>
+            </a:extLst>
+          </p:cNvPr>
+          <p:cNvSpPr txBox="1"/>
+          <p:nvPr/>
+        </p:nvSpPr>
+        <p:spPr>
+          <a:xfrm>
+            <a:off x="4510333" y="2348880"/>
+            <a:ext cx="4262705" cy="369332"/>
+          </a:xfrm>
+          <a:prstGeom prst="rect">
+            <a:avLst/>
+          </a:prstGeom>
+          <a:noFill/>
+        </p:spPr>
+        <p:txBody>
+          <a:bodyPr wrap="none" rtlCol="0">
+            <a:spAutoFit/>
+          </a:bodyPr>
+          <a:lstStyle/>
+          <a:p>
+            <a:r>
+              <a:rPr lang="ko-KR" altLang="en-US" dirty="0"/>
+              <a:t>유닛의 종류는 무기</a:t>
+            </a:r>
+            <a:r>
+              <a:rPr lang="en-US" altLang="ko-KR" dirty="0"/>
+              <a:t>, </a:t>
+            </a:r>
+            <a:r>
+              <a:rPr lang="ko-KR" altLang="en-US" dirty="0"/>
+              <a:t>복장으로 파악한다</a:t>
+            </a:r>
+            <a:r>
+              <a:rPr lang="en-US" altLang="ko-KR" dirty="0"/>
+              <a:t>.</a:t>
+            </a:r>
+            <a:endParaRPr lang="ko-KR" altLang="en-US" dirty="0"/>
+          </a:p>
+        </p:txBody>
+      </p:sp>
+      <p:sp>
+        <p:nvSpPr>
+          <p:cNvPr id="8" name="TextBox 7">
+            <a:extLst>
+              <a:ext uri="{FF2B5EF4-FFF2-40B4-BE49-F238E27FC236}">
+                <a16:creationId xmlns:a16="http://schemas.microsoft.com/office/drawing/2014/main" id="{3F0C4519-9D01-44EF-80E7-BC4B04F34528}"/>
+              </a:ext>
+            </a:extLst>
+          </p:cNvPr>
+          <p:cNvSpPr txBox="1"/>
+          <p:nvPr/>
+        </p:nvSpPr>
+        <p:spPr>
+          <a:xfrm>
+            <a:off x="4644008" y="4581128"/>
+            <a:ext cx="4429418" cy="369332"/>
+          </a:xfrm>
+          <a:prstGeom prst="rect">
+            <a:avLst/>
+          </a:prstGeom>
+          <a:noFill/>
+        </p:spPr>
+        <p:txBody>
+          <a:bodyPr wrap="none" rtlCol="0">
+            <a:spAutoFit/>
+          </a:bodyPr>
+          <a:lstStyle/>
+          <a:p>
+            <a:r>
+              <a:rPr lang="ko-KR" altLang="en-US" dirty="0"/>
+              <a:t>치명적인 타격에 대해서 과장해 표현한다</a:t>
+            </a:r>
+            <a:r>
+              <a:rPr lang="en-US" altLang="ko-KR" dirty="0"/>
+              <a:t>.</a:t>
+            </a:r>
+            <a:endParaRPr lang="ko-KR" altLang="en-US" dirty="0"/>
+          </a:p>
+        </p:txBody>
+      </p:sp>
     </p:spTree>
     <p:extLst>
       <p:ext uri="{BB962C8B-B14F-4D97-AF65-F5344CB8AC3E}">
-        <p14:creationId xmlns:p14="http://schemas.microsoft.com/office/powerpoint/2010/main" val="106210251"/>
+        <p14:creationId xmlns:p14="http://schemas.microsoft.com/office/powerpoint/2010/main" val="3512934101"/>
       </p:ext>
     </p:extLst>
   </p:cSld>
@@ -6793,7 +7373,7 @@
               <a:rPr lang="ko-KR" altLang="en-US" dirty="0">
                 <a:ea typeface="굴림" charset="-127"/>
               </a:rPr>
-              <a:t>전투</a:t>
+              <a:t>플레이어 구분</a:t>
             </a:r>
             <a:endParaRPr lang="en-US" altLang="ko-KR" dirty="0">
               <a:ea typeface="굴림" charset="-127"/>
@@ -6805,7 +7385,7 @@
               <a:rPr lang="ko-KR" altLang="en-US" dirty="0">
                 <a:ea typeface="굴림" charset="-127"/>
               </a:rPr>
-              <a:t>최소 두 진형의 전쟁으로 가정한다</a:t>
+              <a:t>플레이어는 군주와 장수로 구분된다</a:t>
             </a:r>
             <a:r>
               <a:rPr lang="en-US" altLang="ko-KR" dirty="0">
@@ -6826,37 +7406,7 @@
               <a:rPr lang="ko-KR" altLang="en-US" dirty="0">
                 <a:ea typeface="굴림" charset="-127"/>
               </a:rPr>
-              <a:t>각 진형은 일정 시간마다 자원을 획득한다</a:t>
-            </a:r>
-            <a:r>
-              <a:rPr lang="en-US" altLang="ko-KR" dirty="0">
-                <a:ea typeface="굴림" charset="-127"/>
-              </a:rPr>
-              <a:t>.</a:t>
-            </a:r>
-          </a:p>
-          <a:p>
-            <a:pPr lvl="1"/>
-            <a:r>
-              <a:rPr lang="ko-KR" altLang="en-US" dirty="0">
-                <a:ea typeface="굴림" charset="-127"/>
-              </a:rPr>
-              <a:t>자원을 이용하여 유닛을 생산한다</a:t>
-            </a:r>
-            <a:r>
-              <a:rPr lang="en-US" altLang="ko-KR" dirty="0">
-                <a:ea typeface="굴림" charset="-127"/>
-              </a:rPr>
-              <a:t>.</a:t>
-            </a:r>
-          </a:p>
-          <a:p>
-            <a:pPr lvl="1"/>
-            <a:r>
-              <a:rPr lang="ko-KR" altLang="en-US" dirty="0">
-                <a:ea typeface="굴림" charset="-127"/>
-              </a:rPr>
-              <a:t>생산 된 유닛 중 하나가 장수가 된다</a:t>
+              <a:t>군주는 유닛의 생산과 배치를 담당한다</a:t>
             </a:r>
             <a:r>
               <a:rPr lang="en-US" altLang="ko-KR" dirty="0">
@@ -6873,6 +7423,93 @@
           </a:p>
           <a:p>
             <a:pPr lvl="1"/>
+            <a:r>
+              <a:rPr lang="ko-KR" altLang="en-US" dirty="0">
+                <a:ea typeface="굴림" charset="-127"/>
+              </a:rPr>
+              <a:t>장수는 유닛 중 하나를 조종한다</a:t>
+            </a:r>
+            <a:r>
+              <a:rPr lang="en-US" altLang="ko-KR" dirty="0">
+                <a:ea typeface="굴림" charset="-127"/>
+              </a:rPr>
+              <a:t>.</a:t>
+            </a:r>
+          </a:p>
+          <a:p>
+            <a:pPr lvl="1"/>
+            <a:r>
+              <a:rPr lang="ko-KR" altLang="en-US" dirty="0">
+                <a:ea typeface="굴림" charset="-127"/>
+              </a:rPr>
+              <a:t>장수의 유닛은 진화를 한다</a:t>
+            </a:r>
+            <a:r>
+              <a:rPr lang="en-US" altLang="ko-KR" dirty="0">
+                <a:ea typeface="굴림" charset="-127"/>
+              </a:rPr>
+              <a:t>.</a:t>
+            </a:r>
+          </a:p>
+          <a:p>
+            <a:pPr lvl="1"/>
+            <a:r>
+              <a:rPr lang="ko-KR" altLang="en-US" dirty="0">
+                <a:ea typeface="굴림" charset="-127"/>
+              </a:rPr>
+              <a:t>진화는 다음과 같은 효과를 부여한다</a:t>
+            </a:r>
+            <a:r>
+              <a:rPr lang="en-US" altLang="ko-KR" dirty="0">
+                <a:ea typeface="굴림" charset="-127"/>
+              </a:rPr>
+              <a:t>.</a:t>
+            </a:r>
+          </a:p>
+          <a:p>
+            <a:pPr lvl="2"/>
+            <a:r>
+              <a:rPr lang="ko-KR" altLang="en-US" dirty="0">
+                <a:ea typeface="굴림" charset="-127"/>
+              </a:rPr>
+              <a:t>공격력</a:t>
+            </a:r>
+            <a:r>
+              <a:rPr lang="en-US" altLang="ko-KR" dirty="0">
+                <a:ea typeface="굴림" charset="-127"/>
+              </a:rPr>
+              <a:t>, </a:t>
+            </a:r>
+            <a:r>
+              <a:rPr lang="ko-KR" altLang="en-US" dirty="0">
+                <a:ea typeface="굴림" charset="-127"/>
+              </a:rPr>
+              <a:t>방어력 등이 좋아진다</a:t>
+            </a:r>
+            <a:r>
+              <a:rPr lang="en-US" altLang="ko-KR" dirty="0">
+                <a:ea typeface="굴림" charset="-127"/>
+              </a:rPr>
+              <a:t>.</a:t>
+            </a:r>
+          </a:p>
+          <a:p>
+            <a:pPr lvl="2"/>
+            <a:r>
+              <a:rPr lang="ko-KR" altLang="en-US" dirty="0">
+                <a:ea typeface="굴림" charset="-127"/>
+              </a:rPr>
+              <a:t>새로운 스킬을 사용할 수 있게 된다</a:t>
+            </a:r>
+            <a:r>
+              <a:rPr lang="en-US" altLang="ko-KR" dirty="0">
+                <a:ea typeface="굴림" charset="-127"/>
+              </a:rPr>
+              <a:t>.</a:t>
+            </a:r>
+          </a:p>
+          <a:p>
+            <a:pPr lvl="2"/>
             <a:endParaRPr lang="en-US" altLang="ko-KR" dirty="0">
               <a:ea typeface="굴림" charset="-127"/>
             </a:endParaRPr>
@@ -6912,7 +7549,7 @@
     </p:spTree>
     <p:extLst>
       <p:ext uri="{BB962C8B-B14F-4D97-AF65-F5344CB8AC3E}">
-        <p14:creationId xmlns:p14="http://schemas.microsoft.com/office/powerpoint/2010/main" val="730286430"/>
+        <p14:creationId xmlns:p14="http://schemas.microsoft.com/office/powerpoint/2010/main" val="2621898687"/>
       </p:ext>
     </p:extLst>
   </p:cSld>
